--- a/Sprint Zero THEM Project.pptx
+++ b/Sprint Zero THEM Project.pptx
@@ -5,13 +5,14 @@
     <p:sldMasterId id="2147483660" r:id="rId1"/>
   </p:sldMasterIdLst>
   <p:notesMasterIdLst>
-    <p:notesMasterId r:id="rId6"/>
+    <p:notesMasterId r:id="rId7"/>
   </p:notesMasterIdLst>
   <p:sldIdLst>
     <p:sldId id="256" r:id="rId2"/>
     <p:sldId id="259" r:id="rId3"/>
     <p:sldId id="260" r:id="rId4"/>
     <p:sldId id="261" r:id="rId5"/>
+    <p:sldId id="262" r:id="rId6"/>
   </p:sldIdLst>
   <p:sldSz cx="9144000" cy="5143500" type="screen16x9"/>
   <p:notesSz cx="6858000" cy="9144000"/>
@@ -3808,36 +3809,8 @@
         </p:nvSpPr>
         <p:spPr>
           <a:xfrm>
-            <a:off x="785786" y="2414593"/>
-            <a:ext cx="7543800" cy="1085851"/>
-          </a:xfrm>
-        </p:spPr>
-        <p:txBody>
-          <a:bodyPr/>
-          <a:lstStyle/>
-          <a:p>
-            <a:r>
-              <a:rPr lang="en-AU" dirty="0" smtClean="0"/>
-              <a:t>Typed HTML5 Evaluation Machine (THEM)</a:t>
-            </a:r>
-            <a:endParaRPr lang="en-AU" dirty="0"/>
-          </a:p>
-        </p:txBody>
-      </p:sp>
-      <p:sp>
-        <p:nvSpPr>
-          <p:cNvPr id="3" name="Subtitle 2"/>
-          <p:cNvSpPr>
-            <a:spLocks noGrp="1"/>
-          </p:cNvSpPr>
-          <p:nvPr>
-            <p:ph type="subTitle" idx="1"/>
-          </p:nvPr>
-        </p:nvSpPr>
-        <p:spPr>
-          <a:xfrm>
-            <a:off x="800100" y="3429006"/>
-            <a:ext cx="7543800" cy="800094"/>
+            <a:off x="285720" y="2500312"/>
+            <a:ext cx="8572560" cy="500066"/>
           </a:xfrm>
         </p:spPr>
         <p:txBody>
@@ -3847,9 +3820,42 @@
           <a:lstStyle/>
           <a:p>
             <a:r>
+              <a:rPr lang="en-AU" sz="3200" dirty="0" smtClean="0"/>
+              <a:t>Typed HTML5 Evaluation Machine (THEM)</a:t>
+            </a:r>
+            <a:endParaRPr lang="en-AU" sz="3200" dirty="0"/>
+          </a:p>
+        </p:txBody>
+      </p:sp>
+      <p:sp>
+        <p:nvSpPr>
+          <p:cNvPr id="3" name="Subtitle 2"/>
+          <p:cNvSpPr>
+            <a:spLocks noGrp="1"/>
+          </p:cNvSpPr>
+          <p:nvPr>
+            <p:ph type="subTitle" idx="1"/>
+          </p:nvPr>
+        </p:nvSpPr>
+        <p:spPr>
+          <a:xfrm>
+            <a:off x="785786" y="3214692"/>
+            <a:ext cx="7543800" cy="928694"/>
+          </a:xfrm>
+        </p:spPr>
+        <p:txBody>
+          <a:bodyPr>
+            <a:normAutofit/>
+          </a:bodyPr>
+          <a:lstStyle/>
+          <a:p>
+            <a:r>
               <a:rPr lang="en-AU" dirty="0" smtClean="0"/>
               <a:t>Client: Lorna MacDonald (DECO1400 Course Co-ordinator)</a:t>
             </a:r>
+          </a:p>
+          <a:p>
+            <a:endParaRPr lang="en-AU" dirty="0" smtClean="0"/>
           </a:p>
           <a:p>
             <a:r>
@@ -4150,6 +4156,316 @@
       <p:transition spd="slow"/>
     </mc:Fallback>
   </mc:AlternateContent>
+  <p:timing>
+    <p:tnLst>
+      <p:par>
+        <p:cTn id="1" dur="indefinite" restart="never" nodeType="tmRoot">
+          <p:childTnLst>
+            <p:seq concurrent="1" nextAc="seek">
+              <p:cTn id="2" dur="indefinite" nodeType="mainSeq">
+                <p:childTnLst>
+                  <p:par>
+                    <p:cTn id="3" fill="hold">
+                      <p:stCondLst>
+                        <p:cond delay="indefinite"/>
+                      </p:stCondLst>
+                      <p:childTnLst>
+                        <p:par>
+                          <p:cTn id="4" fill="hold">
+                            <p:stCondLst>
+                              <p:cond delay="0"/>
+                            </p:stCondLst>
+                            <p:childTnLst>
+                              <p:par>
+                                <p:cTn id="5" presetID="1" presetClass="entr" presetSubtype="0" fill="hold" grpId="0" nodeType="clickEffect">
+                                  <p:stCondLst>
+                                    <p:cond delay="0"/>
+                                  </p:stCondLst>
+                                  <p:childTnLst>
+                                    <p:set>
+                                      <p:cBhvr>
+                                        <p:cTn id="6" dur="1" fill="hold">
+                                          <p:stCondLst>
+                                            <p:cond delay="0"/>
+                                          </p:stCondLst>
+                                        </p:cTn>
+                                        <p:tgtEl>
+                                          <p:spTgt spid="5">
+                                            <p:txEl>
+                                              <p:pRg st="0" end="0"/>
+                                            </p:txEl>
+                                          </p:spTgt>
+                                        </p:tgtEl>
+                                        <p:attrNameLst>
+                                          <p:attrName>style.visibility</p:attrName>
+                                        </p:attrNameLst>
+                                      </p:cBhvr>
+                                      <p:to>
+                                        <p:strVal val="visible"/>
+                                      </p:to>
+                                    </p:set>
+                                  </p:childTnLst>
+                                </p:cTn>
+                              </p:par>
+                              <p:par>
+                                <p:cTn id="7" presetID="1" presetClass="entr" presetSubtype="0" fill="hold" grpId="0" nodeType="withEffect">
+                                  <p:stCondLst>
+                                    <p:cond delay="0"/>
+                                  </p:stCondLst>
+                                  <p:childTnLst>
+                                    <p:set>
+                                      <p:cBhvr>
+                                        <p:cTn id="8" dur="1" fill="hold">
+                                          <p:stCondLst>
+                                            <p:cond delay="0"/>
+                                          </p:stCondLst>
+                                        </p:cTn>
+                                        <p:tgtEl>
+                                          <p:spTgt spid="6">
+                                            <p:txEl>
+                                              <p:pRg st="0" end="0"/>
+                                            </p:txEl>
+                                          </p:spTgt>
+                                        </p:tgtEl>
+                                        <p:attrNameLst>
+                                          <p:attrName>style.visibility</p:attrName>
+                                        </p:attrNameLst>
+                                      </p:cBhvr>
+                                      <p:to>
+                                        <p:strVal val="visible"/>
+                                      </p:to>
+                                    </p:set>
+                                  </p:childTnLst>
+                                </p:cTn>
+                              </p:par>
+                            </p:childTnLst>
+                          </p:cTn>
+                        </p:par>
+                      </p:childTnLst>
+                    </p:cTn>
+                  </p:par>
+                  <p:par>
+                    <p:cTn id="9" fill="hold">
+                      <p:stCondLst>
+                        <p:cond delay="indefinite"/>
+                      </p:stCondLst>
+                      <p:childTnLst>
+                        <p:par>
+                          <p:cTn id="10" fill="hold">
+                            <p:stCondLst>
+                              <p:cond delay="0"/>
+                            </p:stCondLst>
+                            <p:childTnLst>
+                              <p:par>
+                                <p:cTn id="11" presetID="1" presetClass="entr" presetSubtype="0" fill="hold" grpId="0" nodeType="clickEffect">
+                                  <p:stCondLst>
+                                    <p:cond delay="0"/>
+                                  </p:stCondLst>
+                                  <p:childTnLst>
+                                    <p:set>
+                                      <p:cBhvr>
+                                        <p:cTn id="12" dur="1" fill="hold">
+                                          <p:stCondLst>
+                                            <p:cond delay="0"/>
+                                          </p:stCondLst>
+                                        </p:cTn>
+                                        <p:tgtEl>
+                                          <p:spTgt spid="6">
+                                            <p:txEl>
+                                              <p:pRg st="1" end="1"/>
+                                            </p:txEl>
+                                          </p:spTgt>
+                                        </p:tgtEl>
+                                        <p:attrNameLst>
+                                          <p:attrName>style.visibility</p:attrName>
+                                        </p:attrNameLst>
+                                      </p:cBhvr>
+                                      <p:to>
+                                        <p:strVal val="visible"/>
+                                      </p:to>
+                                    </p:set>
+                                  </p:childTnLst>
+                                </p:cTn>
+                              </p:par>
+                            </p:childTnLst>
+                          </p:cTn>
+                        </p:par>
+                      </p:childTnLst>
+                    </p:cTn>
+                  </p:par>
+                  <p:par>
+                    <p:cTn id="13" fill="hold">
+                      <p:stCondLst>
+                        <p:cond delay="indefinite"/>
+                      </p:stCondLst>
+                      <p:childTnLst>
+                        <p:par>
+                          <p:cTn id="14" fill="hold">
+                            <p:stCondLst>
+                              <p:cond delay="0"/>
+                            </p:stCondLst>
+                            <p:childTnLst>
+                              <p:par>
+                                <p:cTn id="15" presetID="1" presetClass="entr" presetSubtype="0" fill="hold" grpId="0" nodeType="clickEffect">
+                                  <p:stCondLst>
+                                    <p:cond delay="0"/>
+                                  </p:stCondLst>
+                                  <p:childTnLst>
+                                    <p:set>
+                                      <p:cBhvr>
+                                        <p:cTn id="16" dur="1" fill="hold">
+                                          <p:stCondLst>
+                                            <p:cond delay="0"/>
+                                          </p:stCondLst>
+                                        </p:cTn>
+                                        <p:tgtEl>
+                                          <p:spTgt spid="6">
+                                            <p:txEl>
+                                              <p:pRg st="2" end="2"/>
+                                            </p:txEl>
+                                          </p:spTgt>
+                                        </p:tgtEl>
+                                        <p:attrNameLst>
+                                          <p:attrName>style.visibility</p:attrName>
+                                        </p:attrNameLst>
+                                      </p:cBhvr>
+                                      <p:to>
+                                        <p:strVal val="visible"/>
+                                      </p:to>
+                                    </p:set>
+                                  </p:childTnLst>
+                                </p:cTn>
+                              </p:par>
+                            </p:childTnLst>
+                          </p:cTn>
+                        </p:par>
+                      </p:childTnLst>
+                    </p:cTn>
+                  </p:par>
+                  <p:par>
+                    <p:cTn id="17" fill="hold">
+                      <p:stCondLst>
+                        <p:cond delay="indefinite"/>
+                      </p:stCondLst>
+                      <p:childTnLst>
+                        <p:par>
+                          <p:cTn id="18" fill="hold">
+                            <p:stCondLst>
+                              <p:cond delay="0"/>
+                            </p:stCondLst>
+                            <p:childTnLst>
+                              <p:par>
+                                <p:cTn id="19" presetID="1" presetClass="entr" presetSubtype="0" fill="hold" grpId="0" nodeType="clickEffect">
+                                  <p:stCondLst>
+                                    <p:cond delay="0"/>
+                                  </p:stCondLst>
+                                  <p:childTnLst>
+                                    <p:set>
+                                      <p:cBhvr>
+                                        <p:cTn id="20" dur="1" fill="hold">
+                                          <p:stCondLst>
+                                            <p:cond delay="0"/>
+                                          </p:stCondLst>
+                                        </p:cTn>
+                                        <p:tgtEl>
+                                          <p:spTgt spid="6">
+                                            <p:txEl>
+                                              <p:pRg st="3" end="3"/>
+                                            </p:txEl>
+                                          </p:spTgt>
+                                        </p:tgtEl>
+                                        <p:attrNameLst>
+                                          <p:attrName>style.visibility</p:attrName>
+                                        </p:attrNameLst>
+                                      </p:cBhvr>
+                                      <p:to>
+                                        <p:strVal val="visible"/>
+                                      </p:to>
+                                    </p:set>
+                                  </p:childTnLst>
+                                </p:cTn>
+                              </p:par>
+                            </p:childTnLst>
+                          </p:cTn>
+                        </p:par>
+                      </p:childTnLst>
+                    </p:cTn>
+                  </p:par>
+                  <p:par>
+                    <p:cTn id="21" fill="hold">
+                      <p:stCondLst>
+                        <p:cond delay="indefinite"/>
+                      </p:stCondLst>
+                      <p:childTnLst>
+                        <p:par>
+                          <p:cTn id="22" fill="hold">
+                            <p:stCondLst>
+                              <p:cond delay="0"/>
+                            </p:stCondLst>
+                            <p:childTnLst>
+                              <p:par>
+                                <p:cTn id="23" presetID="1" presetClass="entr" presetSubtype="0" fill="hold" grpId="0" nodeType="clickEffect">
+                                  <p:stCondLst>
+                                    <p:cond delay="0"/>
+                                  </p:stCondLst>
+                                  <p:childTnLst>
+                                    <p:set>
+                                      <p:cBhvr>
+                                        <p:cTn id="24" dur="1" fill="hold">
+                                          <p:stCondLst>
+                                            <p:cond delay="0"/>
+                                          </p:stCondLst>
+                                        </p:cTn>
+                                        <p:tgtEl>
+                                          <p:spTgt spid="6">
+                                            <p:txEl>
+                                              <p:pRg st="4" end="4"/>
+                                            </p:txEl>
+                                          </p:spTgt>
+                                        </p:tgtEl>
+                                        <p:attrNameLst>
+                                          <p:attrName>style.visibility</p:attrName>
+                                        </p:attrNameLst>
+                                      </p:cBhvr>
+                                      <p:to>
+                                        <p:strVal val="visible"/>
+                                      </p:to>
+                                    </p:set>
+                                  </p:childTnLst>
+                                </p:cTn>
+                              </p:par>
+                            </p:childTnLst>
+                          </p:cTn>
+                        </p:par>
+                      </p:childTnLst>
+                    </p:cTn>
+                  </p:par>
+                </p:childTnLst>
+              </p:cTn>
+              <p:prevCondLst>
+                <p:cond evt="onPrev" delay="0">
+                  <p:tgtEl>
+                    <p:sldTgt/>
+                  </p:tgtEl>
+                </p:cond>
+              </p:prevCondLst>
+              <p:nextCondLst>
+                <p:cond evt="onNext" delay="0">
+                  <p:tgtEl>
+                    <p:sldTgt/>
+                  </p:tgtEl>
+                </p:cond>
+              </p:nextCondLst>
+            </p:seq>
+          </p:childTnLst>
+        </p:cTn>
+      </p:par>
+    </p:tnLst>
+    <p:bldLst>
+      <p:bldP spid="5" grpId="0" build="p"/>
+      <p:bldP spid="6" grpId="0" build="p"/>
+    </p:bldLst>
+  </p:timing>
 </p:sld>
 </file>
 
@@ -4309,8 +4625,8 @@
         </p:nvSpPr>
         <p:spPr>
           <a:xfrm>
-            <a:off x="214282" y="3681721"/>
-            <a:ext cx="5073825" cy="461665"/>
+            <a:off x="214282" y="3571882"/>
+            <a:ext cx="6502101" cy="461665"/>
           </a:xfrm>
           <a:prstGeom prst="rect">
             <a:avLst/>
@@ -4325,7 +4641,7 @@
           <a:p>
             <a:r>
               <a:rPr lang="en-AU" sz="2400" dirty="0" smtClean="0"/>
-              <a:t>Supplementary Costs: Server Hosting </a:t>
+              <a:t>Supplementary Costs: Server Hosting $10/month </a:t>
             </a:r>
           </a:p>
         </p:txBody>
@@ -4339,7 +4655,7 @@
         <p:spPr>
           <a:xfrm>
             <a:off x="500034" y="4143386"/>
-            <a:ext cx="2334293" cy="646331"/>
+            <a:ext cx="7980070" cy="646331"/>
           </a:xfrm>
           <a:prstGeom prst="rect">
             <a:avLst/>
@@ -4360,6 +4676,18 @@
               </a:rPr>
               <a:t>Total Cost: </a:t>
             </a:r>
+            <a:r>
+              <a:rPr lang="en-AU" sz="3600" dirty="0" smtClean="0"/>
+              <a:t>$24 820 (plus ongoing costs)</a:t>
+            </a:r>
+            <a:r>
+              <a:rPr lang="en-AU" sz="3600" dirty="0" smtClean="0">
+                <a:solidFill>
+                  <a:srgbClr val="FF0000"/>
+                </a:solidFill>
+              </a:rPr>
+              <a:t> </a:t>
+            </a:r>
             <a:endParaRPr lang="en-AU" sz="3600" dirty="0">
               <a:solidFill>
                 <a:srgbClr val="FF0000"/>
@@ -4376,8 +4704,8 @@
         </p:nvSpPr>
         <p:spPr>
           <a:xfrm>
-            <a:off x="214282" y="2714626"/>
-            <a:ext cx="8774325" cy="830997"/>
+            <a:off x="214282" y="2895903"/>
+            <a:ext cx="8774325" cy="461665"/>
           </a:xfrm>
           <a:prstGeom prst="rect">
             <a:avLst/>
@@ -4393,16 +4721,6 @@
             <a:r>
               <a:rPr lang="en-AU" sz="2400" dirty="0" smtClean="0"/>
               <a:t>Work Costs: $50 for project manager, $35 for other team members</a:t>
-            </a:r>
-          </a:p>
-          <a:p>
-            <a:r>
-              <a:rPr lang="en-AU" sz="2400" dirty="0"/>
-              <a:t> </a:t>
-            </a:r>
-            <a:r>
-              <a:rPr lang="en-AU" sz="2400" dirty="0" smtClean="0"/>
-              <a:t> -- $24 820</a:t>
             </a:r>
           </a:p>
         </p:txBody>
@@ -4420,6 +4738,84 @@
       <p:transition spd="slow"/>
     </mc:Fallback>
   </mc:AlternateContent>
+  <p:timing>
+    <p:tnLst>
+      <p:par>
+        <p:cTn id="1" dur="indefinite" restart="never" nodeType="tmRoot">
+          <p:childTnLst>
+            <p:seq concurrent="1" nextAc="seek">
+              <p:cTn id="2" dur="indefinite" nodeType="mainSeq">
+                <p:childTnLst>
+                  <p:par>
+                    <p:cTn id="3" fill="hold">
+                      <p:stCondLst>
+                        <p:cond delay="indefinite"/>
+                      </p:stCondLst>
+                      <p:childTnLst>
+                        <p:par>
+                          <p:cTn id="4" fill="hold">
+                            <p:stCondLst>
+                              <p:cond delay="0"/>
+                            </p:stCondLst>
+                            <p:childTnLst>
+                              <p:par>
+                                <p:cTn id="5" presetID="1" presetClass="entr" presetSubtype="0" fill="hold" grpId="0" nodeType="clickEffect">
+                                  <p:stCondLst>
+                                    <p:cond delay="0"/>
+                                  </p:stCondLst>
+                                  <p:childTnLst>
+                                    <p:set>
+                                      <p:cBhvr>
+                                        <p:cTn id="6" dur="1" fill="hold">
+                                          <p:stCondLst>
+                                            <p:cond delay="0"/>
+                                          </p:stCondLst>
+                                        </p:cTn>
+                                        <p:tgtEl>
+                                          <p:spTgt spid="7"/>
+                                        </p:tgtEl>
+                                        <p:attrNameLst>
+                                          <p:attrName>style.visibility</p:attrName>
+                                        </p:attrNameLst>
+                                      </p:cBhvr>
+                                      <p:to>
+                                        <p:strVal val="visible"/>
+                                      </p:to>
+                                    </p:set>
+                                  </p:childTnLst>
+                                </p:cTn>
+                              </p:par>
+                            </p:childTnLst>
+                          </p:cTn>
+                        </p:par>
+                      </p:childTnLst>
+                    </p:cTn>
+                  </p:par>
+                </p:childTnLst>
+              </p:cTn>
+              <p:prevCondLst>
+                <p:cond evt="onPrev" delay="0">
+                  <p:tgtEl>
+                    <p:sldTgt/>
+                  </p:tgtEl>
+                </p:cond>
+              </p:prevCondLst>
+              <p:nextCondLst>
+                <p:cond evt="onNext" delay="0">
+                  <p:tgtEl>
+                    <p:sldTgt/>
+                  </p:tgtEl>
+                </p:cond>
+              </p:nextCondLst>
+            </p:seq>
+          </p:childTnLst>
+        </p:cTn>
+      </p:par>
+    </p:tnLst>
+    <p:bldLst>
+      <p:bldP spid="7" grpId="0"/>
+    </p:bldLst>
+  </p:timing>
 </p:sld>
 </file>
 
@@ -4450,16 +4846,23 @@
             <p:ph type="title"/>
           </p:nvPr>
         </p:nvSpPr>
-        <p:spPr/>
-        <p:txBody>
-          <a:bodyPr/>
-          <a:lstStyle/>
-          <a:p>
-            <a:r>
-              <a:rPr lang="en-AU" dirty="0" smtClean="0"/>
+        <p:spPr>
+          <a:xfrm>
+            <a:off x="357206" y="357178"/>
+            <a:ext cx="6858000" cy="500060"/>
+          </a:xfrm>
+        </p:spPr>
+        <p:txBody>
+          <a:bodyPr>
+            <a:noAutofit/>
+          </a:bodyPr>
+          <a:lstStyle/>
+          <a:p>
+            <a:r>
+              <a:rPr lang="en-AU" sz="3200" dirty="0" smtClean="0"/>
               <a:t>Risk Analysis</a:t>
             </a:r>
-            <a:endParaRPr lang="en-AU" dirty="0"/>
+            <a:endParaRPr lang="en-AU" sz="3200" dirty="0"/>
           </a:p>
         </p:txBody>
       </p:sp>
@@ -4473,12 +4876,69 @@
             <p:ph idx="1"/>
           </p:nvPr>
         </p:nvSpPr>
-        <p:spPr/>
-        <p:txBody>
-          <a:bodyPr/>
-          <a:lstStyle/>
-          <a:p>
-            <a:endParaRPr lang="en-AU"/>
+        <p:spPr>
+          <a:xfrm>
+            <a:off x="285720" y="1000114"/>
+            <a:ext cx="8715436" cy="3571886"/>
+          </a:xfrm>
+        </p:spPr>
+        <p:txBody>
+          <a:bodyPr>
+            <a:noAutofit/>
+          </a:bodyPr>
+          <a:lstStyle/>
+          <a:p>
+            <a:r>
+              <a:rPr lang="en-AU" sz="2000" dirty="0" smtClean="0"/>
+              <a:t>Other course workload</a:t>
+            </a:r>
+          </a:p>
+          <a:p>
+            <a:pPr lvl="1"/>
+            <a:r>
+              <a:rPr lang="en-AU" sz="2000" dirty="0" smtClean="0"/>
+              <a:t>Distributing jobs between at least 2 team members</a:t>
+            </a:r>
+            <a:endParaRPr lang="en-AU" sz="2000" dirty="0" smtClean="0"/>
+          </a:p>
+          <a:p>
+            <a:r>
+              <a:rPr lang="en-AU" sz="2000" dirty="0" smtClean="0"/>
+              <a:t>Possible knowledge gap between users and our team</a:t>
+            </a:r>
+          </a:p>
+          <a:p>
+            <a:pPr lvl="1"/>
+            <a:r>
+              <a:rPr lang="en-AU" sz="2000" dirty="0" smtClean="0"/>
+              <a:t>Continuous user testing</a:t>
+            </a:r>
+          </a:p>
+          <a:p>
+            <a:r>
+              <a:rPr lang="en-AU" sz="2000" dirty="0" smtClean="0"/>
+              <a:t>Lack of previous examples</a:t>
+            </a:r>
+          </a:p>
+          <a:p>
+            <a:pPr lvl="1"/>
+            <a:r>
+              <a:rPr lang="en-AU" sz="2000" dirty="0" smtClean="0"/>
+              <a:t>Anonymous examples provided by client, as well as personal examples we create, and continuous user testing</a:t>
+            </a:r>
+          </a:p>
+          <a:p>
+            <a:r>
+              <a:rPr lang="en-AU" sz="2000" dirty="0" smtClean="0"/>
+              <a:t>Too many ideas / Conflict of ideas</a:t>
+            </a:r>
+          </a:p>
+          <a:p>
+            <a:pPr lvl="1"/>
+            <a:r>
+              <a:rPr lang="en-AU" sz="2000" dirty="0" smtClean="0"/>
+              <a:t>Voting system in place to determine the best possible idea</a:t>
+            </a:r>
           </a:p>
         </p:txBody>
       </p:sp>
@@ -4495,6 +4955,136 @@
       <p:transition spd="slow"/>
     </mc:Fallback>
   </mc:AlternateContent>
+  <p:timing>
+    <p:tnLst>
+      <p:par>
+        <p:cTn id="1" dur="indefinite" restart="never" nodeType="tmRoot"/>
+      </p:par>
+    </p:tnLst>
+  </p:timing>
+</p:sld>
+</file>
+
+<file path=ppt/slides/slide5.xml><?xml version="1.0" encoding="utf-8"?>
+<p:sld xmlns:a="http://schemas.openxmlformats.org/drawingml/2006/main" xmlns:r="http://schemas.openxmlformats.org/officeDocument/2006/relationships" xmlns:p="http://schemas.openxmlformats.org/presentationml/2006/main">
+  <p:cSld>
+    <p:spTree>
+      <p:nvGrpSpPr>
+        <p:cNvPr id="1" name=""/>
+        <p:cNvGrpSpPr/>
+        <p:nvPr/>
+      </p:nvGrpSpPr>
+      <p:grpSpPr>
+        <a:xfrm>
+          <a:off x="0" y="0"/>
+          <a:ext cx="0" cy="0"/>
+          <a:chOff x="0" y="0"/>
+          <a:chExt cx="0" cy="0"/>
+        </a:xfrm>
+      </p:grpSpPr>
+      <p:sp>
+        <p:nvSpPr>
+          <p:cNvPr id="2" name="Title 1"/>
+          <p:cNvSpPr>
+            <a:spLocks noGrp="1"/>
+          </p:cNvSpPr>
+          <p:nvPr>
+            <p:ph type="title"/>
+          </p:nvPr>
+        </p:nvSpPr>
+        <p:spPr>
+          <a:xfrm>
+            <a:off x="285720" y="285734"/>
+            <a:ext cx="6858000" cy="485788"/>
+          </a:xfrm>
+        </p:spPr>
+        <p:txBody>
+          <a:bodyPr/>
+          <a:lstStyle/>
+          <a:p>
+            <a:r>
+              <a:rPr lang="en-AU" dirty="0" smtClean="0"/>
+              <a:t>Prototype</a:t>
+            </a:r>
+            <a:endParaRPr lang="en-AU" dirty="0"/>
+          </a:p>
+        </p:txBody>
+      </p:sp>
+      <p:pic>
+        <p:nvPicPr>
+          <p:cNvPr id="5" name="Content Placeholder 4" descr="uploadedfiles.jpg"/>
+          <p:cNvPicPr>
+            <a:picLocks noGrp="1" noChangeAspect="1"/>
+          </p:cNvPicPr>
+          <p:nvPr>
+            <p:ph idx="1"/>
+          </p:nvPr>
+        </p:nvPicPr>
+        <p:blipFill>
+          <a:blip r:embed="rId2"/>
+          <a:stretch>
+            <a:fillRect/>
+          </a:stretch>
+        </p:blipFill>
+        <p:spPr>
+          <a:xfrm>
+            <a:off x="785786" y="1000114"/>
+            <a:ext cx="7648434" cy="3571886"/>
+          </a:xfrm>
+        </p:spPr>
+      </p:pic>
+      <p:sp>
+        <p:nvSpPr>
+          <p:cNvPr id="6" name="TextBox 5"/>
+          <p:cNvSpPr txBox="1"/>
+          <p:nvPr/>
+        </p:nvSpPr>
+        <p:spPr>
+          <a:xfrm>
+            <a:off x="2469502" y="3857634"/>
+            <a:ext cx="4204997" cy="523220"/>
+          </a:xfrm>
+          <a:prstGeom prst="rect">
+            <a:avLst/>
+          </a:prstGeom>
+          <a:noFill/>
+        </p:spPr>
+        <p:txBody>
+          <a:bodyPr wrap="none" rtlCol="0">
+            <a:spAutoFit/>
+          </a:bodyPr>
+          <a:lstStyle/>
+          <a:p>
+            <a:r>
+              <a:rPr lang="en-AU" sz="2800" dirty="0" smtClean="0">
+                <a:hlinkClick r:id="rId3"/>
+              </a:rPr>
+              <a:t>http://underwaterfall.com/</a:t>
+            </a:r>
+            <a:endParaRPr lang="en-AU" sz="2800" dirty="0"/>
+          </a:p>
+        </p:txBody>
+      </p:sp>
+    </p:spTree>
+  </p:cSld>
+  <p:clrMapOvr>
+    <a:masterClrMapping/>
+  </p:clrMapOvr>
+  <mc:AlternateContent xmlns:mc="http://schemas.openxmlformats.org/markup-compatibility/2006">
+    <mc:Choice xmlns:p14="http://schemas.microsoft.com/office/powerpoint/2010/main" xmlns="" Requires="p14">
+      <p:transition spd="slow" p14:dur="2000"/>
+    </mc:Choice>
+    <mc:Fallback>
+      <p:transition spd="slow"/>
+    </mc:Fallback>
+  </mc:AlternateContent>
+  <p:timing>
+    <p:tnLst>
+      <p:par>
+        <p:cTn id="1" dur="indefinite" restart="never" nodeType="tmRoot"/>
+      </p:par>
+    </p:tnLst>
+  </p:timing>
 </p:sld>
 </file>
 
